--- a/training-cards/music moves/Tomatoes (TOM)/ger/apprentice/ger_TOM_12_Was_passt_in_eine_Tomate_MM_A.pptx
+++ b/training-cards/music moves/Tomatoes (TOM)/ger/apprentice/ger_TOM_12_Was_passt_in_eine_Tomate_MM_A.pptx
@@ -105,6 +105,22 @@
       </a:defRPr>
     </a:lvl9pPr>
   </p:defaultTextStyle>
+  <p:extLst>
+    <p:ext uri="{EFAFB233-063F-42B5-8137-9DF3F51BA10A}">
+      <p15:sldGuideLst xmlns:p15="http://schemas.microsoft.com/office/powerpoint/2012/main">
+        <p15:guide id="1" orient="horz" pos="660">
+          <p15:clr>
+            <a:srgbClr val="A4A3A4"/>
+          </p15:clr>
+        </p15:guide>
+        <p15:guide id="2" pos="1346">
+          <p15:clr>
+            <a:srgbClr val="A4A3A4"/>
+          </p15:clr>
+        </p15:guide>
+      </p15:sldGuideLst>
+    </p:ext>
+  </p:extLst>
 </p:presentation>
 </file>
 
@@ -716,7 +732,7 @@
           <a:p>
             <a:fld id="{FF5B2BAF-DF38-0A48-A798-0C06E514FD52}" type="datetimeFigureOut">
               <a:rPr lang="de-DE" smtClean="0"/>
-              <a:t>13.08.15</a:t>
+              <a:t>01.03.16</a:t>
             </a:fld>
             <a:endParaRPr lang="de-DE" dirty="0"/>
           </a:p>
@@ -931,7 +947,7 @@
           <a:p>
             <a:fld id="{FF5B2BAF-DF38-0A48-A798-0C06E514FD52}" type="datetimeFigureOut">
               <a:rPr lang="de-DE" smtClean="0"/>
-              <a:t>13.08.15</a:t>
+              <a:t>01.03.16</a:t>
             </a:fld>
             <a:endParaRPr lang="de-DE" dirty="0"/>
           </a:p>
@@ -1627,15 +1643,35 @@
             </a:pPr>
             <a:r>
               <a:rPr lang="de-DE" sz="1100" dirty="0" smtClean="0"/>
-              <a:t>Erfolgreiches Zeitmanagement braucht eine Wahrnehmung, was Du den ganzen Tag tust und </a:t>
-            </a:r>
-            <a:r>
-              <a:rPr lang="de-DE" sz="1100" dirty="0" err="1" smtClean="0"/>
-              <a:t>wieviel</a:t>
-            </a:r>
-            <a:r>
-              <a:rPr lang="de-DE" sz="1100" dirty="0" smtClean="0"/>
-              <a:t> Zeit es </a:t>
+              <a:t>Ein erfolgreicher Zeitmanager weiß, </a:t>
+            </a:r>
+            <a:r>
+              <a:rPr lang="de-DE" sz="1100" dirty="0" smtClean="0"/>
+              <a:t>was </a:t>
+            </a:r>
+            <a:r>
+              <a:rPr lang="de-DE" sz="1100" dirty="0" smtClean="0"/>
+              <a:t>er</a:t>
+            </a:r>
+            <a:r>
+              <a:rPr lang="de-DE" sz="1100" dirty="0" smtClean="0"/>
+              <a:t> </a:t>
+            </a:r>
+            <a:r>
+              <a:rPr lang="de-DE" sz="1100" dirty="0" smtClean="0"/>
+              <a:t>den ganzen Tag </a:t>
+            </a:r>
+            <a:r>
+              <a:rPr lang="de-DE" sz="1100" dirty="0" smtClean="0"/>
+              <a:t>tut </a:t>
+            </a:r>
+            <a:r>
+              <a:rPr lang="de-DE" sz="1100" dirty="0" smtClean="0"/>
+              <a:t>und wieviel Zeit </a:t>
+            </a:r>
+            <a:r>
+              <a:rPr lang="de-DE" sz="1100" dirty="0" smtClean="0"/>
+              <a:t>es genau </a:t>
             </a:r>
             <a:r>
               <a:rPr lang="de-DE" sz="1100" dirty="0" smtClean="0"/>
@@ -1652,36 +1688,44 @@
               </a:spcBef>
             </a:pPr>
             <a:r>
-              <a:rPr lang="de-DE" sz="1100" dirty="0" smtClean="0"/>
-              <a:t>Um </a:t>
-            </a:r>
-            <a:r>
-              <a:rPr lang="de-DE" sz="1100" dirty="0" smtClean="0"/>
-              <a:t>Deine</a:t>
-            </a:r>
-            <a:r>
-              <a:rPr lang="de-DE" sz="1100" dirty="0" smtClean="0"/>
-              <a:t> </a:t>
-            </a:r>
-            <a:r>
-              <a:rPr lang="de-DE" sz="1100" dirty="0" smtClean="0"/>
-              <a:t>Wahrnehmung zu schulen, </a:t>
-            </a:r>
-            <a:r>
-              <a:rPr lang="de-DE" sz="1100" dirty="0" smtClean="0"/>
-              <a:t>kannst </a:t>
-            </a:r>
-            <a:r>
-              <a:rPr lang="de-DE" sz="1100" dirty="0" smtClean="0"/>
-              <a:t>Du </a:t>
-            </a:r>
-            <a:r>
-              <a:rPr lang="de-DE" sz="1100" dirty="0" smtClean="0"/>
-              <a:t>beginnen </a:t>
-            </a:r>
-            <a:r>
-              <a:rPr lang="de-DE" sz="1100" dirty="0" smtClean="0"/>
-              <a:t>Dir ein konkretes Zeitfenster zu setzen um herauszufinden, was Du in dieser Zeit alles schaffen kannst.</a:t>
+              <a:rPr lang="de-DE" sz="1100" smtClean="0"/>
+              <a:t>Wenn Du beginnst </a:t>
+            </a:r>
+            <a:r>
+              <a:rPr lang="de-DE" sz="1100" dirty="0" smtClean="0"/>
+              <a:t>mit</a:t>
+            </a:r>
+            <a:r>
+              <a:rPr lang="de-DE" sz="1100" dirty="0" smtClean="0"/>
+              <a:t> konkreten Zeitfenstern </a:t>
+            </a:r>
+            <a:r>
+              <a:rPr lang="de-DE" sz="1100" smtClean="0"/>
+              <a:t>zu </a:t>
+            </a:r>
+            <a:r>
+              <a:rPr lang="de-DE" sz="1100" smtClean="0"/>
+              <a:t>arbeiten, kannst </a:t>
+            </a:r>
+            <a:r>
+              <a:rPr lang="de-DE" sz="1100" dirty="0" smtClean="0"/>
+              <a:t>Du Deine Wahrnehmung schulen</a:t>
+            </a:r>
+            <a:r>
+              <a:rPr lang="de-DE" sz="1100" dirty="0" smtClean="0"/>
+              <a:t>, </a:t>
+            </a:r>
+            <a:r>
+              <a:rPr lang="de-DE" sz="1100" dirty="0" smtClean="0"/>
+              <a:t>was Du in </a:t>
+            </a:r>
+            <a:r>
+              <a:rPr lang="de-DE" sz="1100" dirty="0" smtClean="0"/>
+              <a:t>einer bestimmten </a:t>
+            </a:r>
+            <a:r>
+              <a:rPr lang="de-DE" sz="1100" dirty="0" smtClean="0"/>
+              <a:t>Zeit alles schaffen kannst.</a:t>
             </a:r>
           </a:p>
           <a:p>
@@ -1747,7 +1791,27 @@
           <a:p>
             <a:r>
               <a:rPr lang="de-DE" sz="1100" dirty="0"/>
-              <a:t>Es geht in Deinen Zeitfenstern nicht darum, so schnell wie möglich zu arbeiten, sondern herauszufinden, was Du alles in einem bequemen Tempo schaffen kannst.</a:t>
+              <a:t>Es geht </a:t>
+            </a:r>
+            <a:r>
+              <a:rPr lang="de-DE" sz="1100" dirty="0" smtClean="0"/>
+              <a:t>dabei</a:t>
+            </a:r>
+            <a:r>
+              <a:rPr lang="de-DE" sz="1100" dirty="0" smtClean="0"/>
+              <a:t> </a:t>
+            </a:r>
+            <a:r>
+              <a:rPr lang="de-DE" sz="1100" dirty="0"/>
+              <a:t>nicht darum, so schnell wie möglich zu </a:t>
+            </a:r>
+            <a:r>
+              <a:rPr lang="de-DE" sz="1100" dirty="0" smtClean="0"/>
+              <a:t>arbeiten bist der Wecker klingelt, </a:t>
+            </a:r>
+            <a:r>
+              <a:rPr lang="de-DE" sz="1100" dirty="0"/>
+              <a:t>sondern herauszufinden, was Du alles in einem bequemen Tempo schaffen kannst.</a:t>
             </a:r>
           </a:p>
           <a:p>
@@ -1769,9 +1833,24 @@
             </a:r>
             <a:r>
               <a:rPr lang="de-DE" sz="1100" dirty="0"/>
-              <a:t> Technique®1, nennt diese Zeitfenster „Tomaten“. Dabei geht er von 25 Minuten aus, denen eine 5 minütige Pause folgt.</a:t>
-            </a:r>
-            <a:endParaRPr lang="de-DE" sz="1100" dirty="0"/>
+              <a:t> </a:t>
+            </a:r>
+            <a:r>
+              <a:rPr lang="de-DE" sz="1100" dirty="0" smtClean="0"/>
+              <a:t>Technique®</a:t>
+            </a:r>
+            <a:r>
+              <a:rPr lang="de-DE" sz="1100" baseline="30000" dirty="0"/>
+              <a:t>1</a:t>
+            </a:r>
+            <a:r>
+              <a:rPr lang="de-DE" sz="1100" dirty="0"/>
+              <a:t> , </a:t>
+            </a:r>
+            <a:r>
+              <a:rPr lang="de-DE" sz="1100" dirty="0"/>
+              <a:t>nennt diese Zeitfenster „Tomaten“. Dabei geht er von 25 Minuten aus, denen eine 5 minütige Pause folgt.</a:t>
+            </a:r>
           </a:p>
         </p:txBody>
       </p:sp>
@@ -1948,19 +2027,11 @@
             </a:r>
             <a:r>
               <a:rPr lang="de-DE" sz="1100" smtClean="0"/>
-              <a:t>Notiere </a:t>
-            </a:r>
-            <a:r>
-              <a:rPr lang="de-DE" sz="1100" smtClean="0"/>
-              <a:t>Dir, </a:t>
-            </a:r>
-            <a:r>
-              <a:rPr lang="de-DE" sz="1100" dirty="0" smtClean="0"/>
-              <a:t>nachdem der Wecker geklingelt </a:t>
-            </a:r>
-            <a:r>
-              <a:rPr lang="de-DE" sz="1100" dirty="0" smtClean="0"/>
-              <a:t>hat</a:t>
+              <a:t>Notiere Dir, </a:t>
+            </a:r>
+            <a:r>
+              <a:rPr lang="de-DE" sz="1100" dirty="0" smtClean="0"/>
+              <a:t>nachdem der Wecker geklingelt hat</a:t>
             </a:r>
             <a:r>
               <a:rPr lang="de-DE" sz="1100" smtClean="0"/>
@@ -1990,37 +2061,13 @@
             </a:r>
             <a:r>
               <a:rPr lang="de-DE" sz="1100" dirty="0" smtClean="0"/>
-              <a:t> </a:t>
-            </a:r>
-            <a:r>
-              <a:rPr lang="de-DE" sz="1100" dirty="0" smtClean="0"/>
-              <a:t>Wochen 8 Durchführungen dieser Zeitfenster.</a:t>
-            </a:r>
-          </a:p>
-          <a:p>
-            <a:r>
-              <a:rPr lang="de-DE" sz="1100" dirty="0" smtClean="0"/>
-              <a:t>Teile Deine Dokumentation mit Deinem Team und lass </a:t>
-            </a:r>
-            <a:r>
-              <a:rPr lang="de-DE" sz="1100" dirty="0" smtClean="0"/>
-              <a:t>Dir</a:t>
-            </a:r>
-            <a:r>
-              <a:rPr lang="de-DE" sz="1100" dirty="0" smtClean="0"/>
-              <a:t> </a:t>
-            </a:r>
-            <a:r>
-              <a:rPr lang="de-DE" sz="1100" dirty="0" smtClean="0"/>
-              <a:t>Deine </a:t>
-            </a:r>
-            <a:r>
-              <a:rPr lang="de-DE" sz="1100" dirty="0" smtClean="0"/>
-              <a:t>Ergebnisse </a:t>
-            </a:r>
-            <a:r>
-              <a:rPr lang="de-DE" sz="1100" dirty="0" smtClean="0"/>
-              <a:t>unterschreiben.</a:t>
+              <a:t> Wochen 8 Durchführungen dieser Zeitfenster.</a:t>
+            </a:r>
+          </a:p>
+          <a:p>
+            <a:r>
+              <a:rPr lang="de-DE" sz="1100" dirty="0" smtClean="0"/>
+              <a:t>Teile Deine Dokumentation mit Deinem Team und lass Dir Deine Ergebnisse unterschreiben.</a:t>
             </a:r>
             <a:endParaRPr lang="de-DE" sz="1100" dirty="0"/>
           </a:p>

--- a/training-cards/music moves/Tomatoes (TOM)/ger/apprentice/ger_TOM_12_Was_passt_in_eine_Tomate_MM_A.pptx
+++ b/training-cards/music moves/Tomatoes (TOM)/ger/apprentice/ger_TOM_12_Was_passt_in_eine_Tomate_MM_A.pptx
@@ -166,7 +166,7 @@
           </a:lstStyle>
           <a:p>
             <a:r>
-              <a:rPr lang="de-DE" smtClean="0"/>
+              <a:rPr lang="de-DE"/>
               <a:t>Mastertitelformat bearbeiten</a:t>
             </a:r>
             <a:endParaRPr lang="de-DE" dirty="0"/>
@@ -287,7 +287,7 @@
           </a:lstStyle>
           <a:p>
             <a:r>
-              <a:rPr lang="de-DE" smtClean="0"/>
+              <a:rPr lang="de-DE"/>
               <a:t>Master-Untertitelformat bearbeiten</a:t>
             </a:r>
             <a:endParaRPr lang="de-DE" dirty="0"/>
@@ -321,35 +321,35 @@
           <a:p>
             <a:pPr lvl="0"/>
             <a:r>
-              <a:rPr lang="de-DE" smtClean="0"/>
+              <a:rPr lang="de-DE"/>
               <a:t>Mastertextformat bearbeiten</a:t>
             </a:r>
           </a:p>
           <a:p>
             <a:pPr lvl="1"/>
             <a:r>
-              <a:rPr lang="de-DE" smtClean="0"/>
+              <a:rPr lang="de-DE"/>
               <a:t>Zweite Ebene</a:t>
             </a:r>
           </a:p>
           <a:p>
             <a:pPr lvl="2"/>
             <a:r>
-              <a:rPr lang="de-DE" smtClean="0"/>
+              <a:rPr lang="de-DE"/>
               <a:t>Dritte Ebene</a:t>
             </a:r>
           </a:p>
           <a:p>
             <a:pPr lvl="3"/>
             <a:r>
-              <a:rPr lang="de-DE" smtClean="0"/>
+              <a:rPr lang="de-DE"/>
               <a:t>Vierte Ebene</a:t>
             </a:r>
           </a:p>
           <a:p>
             <a:pPr lvl="4"/>
             <a:r>
-              <a:rPr lang="de-DE" smtClean="0"/>
+              <a:rPr lang="de-DE"/>
               <a:t>Fünfte Ebene</a:t>
             </a:r>
             <a:endParaRPr lang="de-DE" dirty="0"/>
@@ -397,7 +397,7 @@
           <a:p>
             <a:pPr algn="l"/>
             <a:r>
-              <a:rPr lang="de-DE" sz="1000" dirty="0" smtClean="0">
+              <a:rPr lang="de-DE" sz="1000" dirty="0">
                 <a:solidFill>
                   <a:srgbClr val="5D5E5F"/>
                 </a:solidFill>
@@ -407,7 +407,7 @@
               <a:t>REGINA</a:t>
             </a:r>
             <a:r>
-              <a:rPr lang="de-DE" sz="1000" baseline="0" dirty="0" smtClean="0">
+              <a:rPr lang="de-DE" sz="1000" baseline="0" dirty="0">
                 <a:solidFill>
                   <a:srgbClr val="5D5E5F"/>
                 </a:solidFill>
@@ -417,7 +417,7 @@
               <a:t> BRANDHUBER</a:t>
             </a:r>
             <a:r>
-              <a:rPr lang="de-DE" sz="1000" dirty="0" smtClean="0">
+              <a:rPr lang="de-DE" sz="1000" dirty="0">
                 <a:solidFill>
                   <a:srgbClr val="5D5E5F"/>
                 </a:solidFill>
@@ -426,13 +426,6 @@
               </a:rPr>
               <a:t> </a:t>
             </a:r>
-            <a:endParaRPr lang="de-DE" sz="1000" dirty="0">
-              <a:solidFill>
-                <a:srgbClr val="5D5E5F"/>
-              </a:solidFill>
-              <a:latin typeface="Avenir Book"/>
-              <a:cs typeface="Avenir Book"/>
-            </a:endParaRPr>
           </a:p>
         </p:txBody>
       </p:sp>
@@ -545,35 +538,35 @@
           <a:p>
             <a:pPr lvl="0"/>
             <a:r>
-              <a:rPr lang="de-DE" smtClean="0"/>
+              <a:rPr lang="de-DE"/>
               <a:t>Mastertextformat bearbeiten</a:t>
             </a:r>
           </a:p>
           <a:p>
             <a:pPr lvl="1"/>
             <a:r>
-              <a:rPr lang="de-DE" smtClean="0"/>
+              <a:rPr lang="de-DE"/>
               <a:t>Zweite Ebene</a:t>
             </a:r>
           </a:p>
           <a:p>
             <a:pPr lvl="2"/>
             <a:r>
-              <a:rPr lang="de-DE" smtClean="0"/>
+              <a:rPr lang="de-DE"/>
               <a:t>Dritte Ebene</a:t>
             </a:r>
           </a:p>
           <a:p>
             <a:pPr lvl="3"/>
             <a:r>
-              <a:rPr lang="de-DE" smtClean="0"/>
+              <a:rPr lang="de-DE"/>
               <a:t>Vierte Ebene</a:t>
             </a:r>
           </a:p>
           <a:p>
             <a:pPr lvl="4"/>
             <a:r>
-              <a:rPr lang="de-DE" smtClean="0"/>
+              <a:rPr lang="de-DE"/>
               <a:t>Fünfte Ebene</a:t>
             </a:r>
             <a:endParaRPr lang="de-DE" dirty="0"/>
@@ -603,7 +596,7 @@
           <a:lstStyle/>
           <a:p>
             <a:r>
-              <a:rPr lang="de-DE" sz="2400" dirty="0" smtClean="0">
+              <a:rPr lang="de-DE" sz="2400" dirty="0">
                 <a:solidFill>
                   <a:srgbClr val="7E006B"/>
                 </a:solidFill>
@@ -613,7 +606,7 @@
               <a:t>TR	AININGS</a:t>
             </a:r>
             <a:r>
-              <a:rPr lang="de-DE" sz="2400" dirty="0" smtClean="0">
+              <a:rPr lang="de-DE" sz="2400" dirty="0">
                 <a:solidFill>
                   <a:srgbClr val="7E006B"/>
                 </a:solidFill>
@@ -708,10 +701,9 @@
           <a:lstStyle/>
           <a:p>
             <a:r>
-              <a:rPr lang="de-DE" smtClean="0"/>
+              <a:rPr lang="de-DE"/>
               <a:t>Mastertitelformat bearbeiten</a:t>
             </a:r>
-            <a:endParaRPr lang="de-DE"/>
           </a:p>
         </p:txBody>
       </p:sp>
@@ -732,7 +724,7 @@
           <a:p>
             <a:fld id="{FF5B2BAF-DF38-0A48-A798-0C06E514FD52}" type="datetimeFigureOut">
               <a:rPr lang="de-DE" smtClean="0"/>
-              <a:t>01.03.16</a:t>
+              <a:t>22.07.23</a:t>
             </a:fld>
             <a:endParaRPr lang="de-DE" dirty="0"/>
           </a:p>
@@ -843,10 +835,9 @@
           <a:p>
             <a:pPr marL="0" lvl="0" algn="l"/>
             <a:r>
-              <a:rPr lang="de-DE" dirty="0" smtClean="0"/>
+              <a:rPr lang="de-DE" dirty="0"/>
               <a:t>Überschrift bearbeiten </a:t>
             </a:r>
-            <a:endParaRPr lang="de-DE" dirty="0"/>
           </a:p>
         </p:txBody>
       </p:sp>
@@ -877,38 +868,37 @@
           <a:p>
             <a:pPr lvl="0"/>
             <a:r>
-              <a:rPr lang="de-DE" dirty="0" smtClean="0"/>
+              <a:rPr lang="de-DE" dirty="0"/>
               <a:t>Mastertextformat bearbeiten</a:t>
             </a:r>
           </a:p>
           <a:p>
             <a:pPr lvl="1"/>
             <a:r>
-              <a:rPr lang="de-DE" dirty="0" smtClean="0"/>
+              <a:rPr lang="de-DE" dirty="0"/>
               <a:t>Zweite Ebene</a:t>
             </a:r>
           </a:p>
           <a:p>
             <a:pPr lvl="2"/>
             <a:r>
-              <a:rPr lang="de-DE" dirty="0" smtClean="0"/>
+              <a:rPr lang="de-DE" dirty="0"/>
               <a:t>Dritte Ebene</a:t>
             </a:r>
           </a:p>
           <a:p>
             <a:pPr lvl="3"/>
             <a:r>
-              <a:rPr lang="de-DE" dirty="0" smtClean="0"/>
+              <a:rPr lang="de-DE" dirty="0"/>
               <a:t>Vierte Ebene</a:t>
             </a:r>
           </a:p>
           <a:p>
             <a:pPr lvl="4"/>
             <a:r>
-              <a:rPr lang="de-DE" dirty="0" smtClean="0"/>
+              <a:rPr lang="de-DE" dirty="0"/>
               <a:t>Fünfte Ebene</a:t>
             </a:r>
-            <a:endParaRPr lang="de-DE" dirty="0"/>
           </a:p>
         </p:txBody>
       </p:sp>
@@ -947,7 +937,7 @@
           <a:p>
             <a:fld id="{FF5B2BAF-DF38-0A48-A798-0C06E514FD52}" type="datetimeFigureOut">
               <a:rPr lang="de-DE" smtClean="0"/>
-              <a:t>01.03.16</a:t>
+              <a:t>22.07.23</a:t>
             </a:fld>
             <a:endParaRPr lang="de-DE" dirty="0"/>
           </a:p>
@@ -1181,7 +1171,7 @@
           <a:lstStyle/>
           <a:p>
             <a:r>
-              <a:rPr lang="de-DE" sz="1050" b="1" dirty="0" smtClean="0">
+              <a:rPr lang="de-DE" sz="1050" b="1" dirty="0">
                 <a:solidFill>
                   <a:schemeClr val="bg1"/>
                 </a:solidFill>
@@ -1191,7 +1181,7 @@
               <a:t>TRAININGSKARTE</a:t>
             </a:r>
             <a:r>
-              <a:rPr lang="de-DE" sz="1050" dirty="0" smtClean="0">
+              <a:rPr lang="de-DE" sz="1050" dirty="0">
                 <a:solidFill>
                   <a:schemeClr val="bg1"/>
                 </a:solidFill>
@@ -1201,7 +1191,7 @@
               <a:t> </a:t>
             </a:r>
             <a:r>
-              <a:rPr lang="de-DE" sz="1050" b="1" dirty="0" smtClean="0">
+              <a:rPr lang="de-DE" sz="1050" b="1" dirty="0">
                 <a:solidFill>
                   <a:schemeClr val="bg1"/>
                 </a:solidFill>
@@ -1210,13 +1200,6 @@
               </a:rPr>
               <a:t>TOM 12</a:t>
             </a:r>
-            <a:endParaRPr lang="de-DE" sz="1050" b="1" dirty="0">
-              <a:solidFill>
-                <a:schemeClr val="bg1"/>
-              </a:solidFill>
-              <a:latin typeface="Avenir Heavy"/>
-              <a:cs typeface="Avenir Heavy"/>
-            </a:endParaRPr>
           </a:p>
         </p:txBody>
       </p:sp>
@@ -1599,20 +1582,16 @@
           <a:lstStyle/>
           <a:p>
             <a:r>
-              <a:rPr lang="de-DE" dirty="0" smtClean="0"/>
+              <a:rPr lang="de-DE" dirty="0"/>
               <a:t>WAS PASST </a:t>
             </a:r>
             <a:r>
-              <a:rPr lang="de-DE" dirty="0" smtClean="0">
+              <a:rPr lang="de-DE" dirty="0">
                 <a:latin typeface="Avenir Light"/>
                 <a:cs typeface="Avenir Light"/>
               </a:rPr>
               <a:t>IN EINE TOMATE?</a:t>
             </a:r>
-            <a:endParaRPr lang="de-DE" dirty="0">
-              <a:latin typeface="Avenir Light"/>
-              <a:cs typeface="Avenir Light"/>
-            </a:endParaRPr>
           </a:p>
         </p:txBody>
       </p:sp>
@@ -1642,40 +1621,8 @@
               </a:spcBef>
             </a:pPr>
             <a:r>
-              <a:rPr lang="de-DE" sz="1100" dirty="0" smtClean="0"/>
-              <a:t>Ein erfolgreicher Zeitmanager weiß, </a:t>
-            </a:r>
-            <a:r>
-              <a:rPr lang="de-DE" sz="1100" dirty="0" smtClean="0"/>
-              <a:t>was </a:t>
-            </a:r>
-            <a:r>
-              <a:rPr lang="de-DE" sz="1100" dirty="0" smtClean="0"/>
-              <a:t>er</a:t>
-            </a:r>
-            <a:r>
-              <a:rPr lang="de-DE" sz="1100" dirty="0" smtClean="0"/>
-              <a:t> </a:t>
-            </a:r>
-            <a:r>
-              <a:rPr lang="de-DE" sz="1100" dirty="0" smtClean="0"/>
-              <a:t>den ganzen Tag </a:t>
-            </a:r>
-            <a:r>
-              <a:rPr lang="de-DE" sz="1100" dirty="0" smtClean="0"/>
-              <a:t>tut </a:t>
-            </a:r>
-            <a:r>
-              <a:rPr lang="de-DE" sz="1100" dirty="0" smtClean="0"/>
-              <a:t>und wieviel Zeit </a:t>
-            </a:r>
-            <a:r>
-              <a:rPr lang="de-DE" sz="1100" dirty="0" smtClean="0"/>
-              <a:t>es genau </a:t>
-            </a:r>
-            <a:r>
-              <a:rPr lang="de-DE" sz="1100" dirty="0" smtClean="0"/>
-              <a:t>kostet.</a:t>
+              <a:rPr lang="de-DE" sz="1100" dirty="0"/>
+              <a:t>Ein erfolgreicher Zeitmanager weiß, was er den ganzen Tag tut und wieviel Zeit es genau kostet.</a:t>
             </a:r>
           </a:p>
           <a:p>
@@ -1688,44 +1635,8 @@
               </a:spcBef>
             </a:pPr>
             <a:r>
-              <a:rPr lang="de-DE" sz="1100" smtClean="0"/>
-              <a:t>Wenn Du beginnst </a:t>
-            </a:r>
-            <a:r>
-              <a:rPr lang="de-DE" sz="1100" dirty="0" smtClean="0"/>
-              <a:t>mit</a:t>
-            </a:r>
-            <a:r>
-              <a:rPr lang="de-DE" sz="1100" dirty="0" smtClean="0"/>
-              <a:t> konkreten Zeitfenstern </a:t>
-            </a:r>
-            <a:r>
-              <a:rPr lang="de-DE" sz="1100" smtClean="0"/>
-              <a:t>zu </a:t>
-            </a:r>
-            <a:r>
-              <a:rPr lang="de-DE" sz="1100" smtClean="0"/>
-              <a:t>arbeiten, kannst </a:t>
-            </a:r>
-            <a:r>
-              <a:rPr lang="de-DE" sz="1100" dirty="0" smtClean="0"/>
-              <a:t>Du Deine Wahrnehmung schulen</a:t>
-            </a:r>
-            <a:r>
-              <a:rPr lang="de-DE" sz="1100" dirty="0" smtClean="0"/>
-              <a:t>, </a:t>
-            </a:r>
-            <a:r>
-              <a:rPr lang="de-DE" sz="1100" dirty="0" smtClean="0"/>
-              <a:t>was Du in </a:t>
-            </a:r>
-            <a:r>
-              <a:rPr lang="de-DE" sz="1100" dirty="0" smtClean="0"/>
-              <a:t>einer bestimmten </a:t>
-            </a:r>
-            <a:r>
-              <a:rPr lang="de-DE" sz="1100" dirty="0" smtClean="0"/>
-              <a:t>Zeit alles schaffen kannst.</a:t>
+              <a:rPr lang="de-DE" sz="1100" dirty="0"/>
+              <a:t>Wenn Du beginnst mit konkreten Zeitfenstern zu arbeiten, kannst Du Deine Wahrnehmung schulen, was Du in einer bestimmten Zeit alles schaffen kannst.</a:t>
             </a:r>
           </a:p>
           <a:p>
@@ -1738,12 +1649,8 @@
               </a:spcBef>
             </a:pPr>
             <a:r>
-              <a:rPr lang="de-DE" sz="1100" dirty="0" smtClean="0"/>
-              <a:t>Einen</a:t>
-            </a:r>
-            <a:r>
               <a:rPr lang="de-DE" sz="1100" dirty="0"/>
-              <a:t> </a:t>
+              <a:t>Einen </a:t>
             </a:r>
             <a:r>
               <a:rPr lang="de-DE" sz="1100" dirty="0" err="1"/>
@@ -1751,35 +1658,7 @@
             </a:r>
             <a:r>
               <a:rPr lang="de-DE" sz="1100" dirty="0"/>
-              <a:t> </a:t>
-            </a:r>
-            <a:r>
-              <a:rPr lang="de-DE" sz="1100" dirty="0" smtClean="0"/>
-              <a:t>zu stellen, </a:t>
-            </a:r>
-            <a:r>
-              <a:rPr lang="de-DE" sz="1100" dirty="0"/>
-              <a:t>der </a:t>
-            </a:r>
-            <a:r>
-              <a:rPr lang="de-DE" sz="1100" dirty="0" smtClean="0"/>
-              <a:t>Dir </a:t>
-            </a:r>
-            <a:r>
-              <a:rPr lang="de-DE" sz="1100" dirty="0"/>
-              <a:t>ein Signal gibt, </a:t>
-            </a:r>
-            <a:r>
-              <a:rPr lang="de-DE" sz="1100" dirty="0" smtClean="0"/>
-              <a:t>wann Dein Zeitfenster </a:t>
-            </a:r>
-            <a:r>
-              <a:rPr lang="de-DE" sz="1100" dirty="0"/>
-              <a:t>vorüber ist</a:t>
-            </a:r>
-            <a:r>
-              <a:rPr lang="de-DE" sz="1100" dirty="0" smtClean="0"/>
-              <a:t>, hilft Dein Training messbar zu machen.</a:t>
+              <a:t> zu stellen, der Dir ein Signal gibt, wann Dein Zeitfenster vorüber ist, hilft Dein Training messbar zu machen.</a:t>
             </a:r>
           </a:p>
           <a:p>
@@ -1791,27 +1670,7 @@
           <a:p>
             <a:r>
               <a:rPr lang="de-DE" sz="1100" dirty="0"/>
-              <a:t>Es geht </a:t>
-            </a:r>
-            <a:r>
-              <a:rPr lang="de-DE" sz="1100" dirty="0" smtClean="0"/>
-              <a:t>dabei</a:t>
-            </a:r>
-            <a:r>
-              <a:rPr lang="de-DE" sz="1100" dirty="0" smtClean="0"/>
-              <a:t> </a:t>
-            </a:r>
-            <a:r>
-              <a:rPr lang="de-DE" sz="1100" dirty="0"/>
-              <a:t>nicht darum, so schnell wie möglich zu </a:t>
-            </a:r>
-            <a:r>
-              <a:rPr lang="de-DE" sz="1100" dirty="0" smtClean="0"/>
-              <a:t>arbeiten bist der Wecker klingelt, </a:t>
-            </a:r>
-            <a:r>
-              <a:rPr lang="de-DE" sz="1100" dirty="0"/>
-              <a:t>sondern herauszufinden, was Du alles in einem bequemen Tempo schaffen kannst.</a:t>
+              <a:t>Es geht dabei nicht darum, so schnell wie möglich zu arbeiten bist der Wecker klingelt, sondern herauszufinden, was Du alles in einem bequemen Tempo schaffen kannst.</a:t>
             </a:r>
           </a:p>
           <a:p>
@@ -1833,23 +1692,23 @@
             </a:r>
             <a:r>
               <a:rPr lang="de-DE" sz="1100" dirty="0"/>
-              <a:t> </a:t>
-            </a:r>
-            <a:r>
-              <a:rPr lang="de-DE" sz="1100" dirty="0" smtClean="0"/>
-              <a:t>Technique®</a:t>
-            </a:r>
-            <a:r>
-              <a:rPr lang="de-DE" sz="1100" baseline="30000" dirty="0"/>
+              <a:t> Technique</a:t>
+            </a:r>
+            <a:r>
+              <a:rPr lang="de-DE" sz="1100"/>
+              <a:t>®</a:t>
+            </a:r>
+            <a:r>
+              <a:rPr lang="de-DE" sz="1100" baseline="30000"/>
               <a:t>1</a:t>
             </a:r>
             <a:r>
+              <a:rPr lang="de-DE" sz="1100"/>
+              <a:t>, nennt </a:t>
+            </a:r>
+            <a:r>
               <a:rPr lang="de-DE" sz="1100" dirty="0"/>
-              <a:t> , </a:t>
-            </a:r>
-            <a:r>
-              <a:rPr lang="de-DE" sz="1100" dirty="0"/>
-              <a:t>nennt diese Zeitfenster „Tomaten“. Dabei geht er von 25 Minuten aus, denen eine 5 minütige Pause folgt.</a:t>
+              <a:t>diese Zeitfenster „Tomaten“. Dabei geht er von 25 Minuten aus, denen eine 5 minütige Pause folgt.</a:t>
             </a:r>
           </a:p>
         </p:txBody>
@@ -1877,7 +1736,7 @@
           <a:lstStyle/>
           <a:p>
             <a:r>
-              <a:rPr lang="de-DE" sz="800" dirty="0" err="1" smtClean="0">
+              <a:rPr lang="de-DE" sz="800" dirty="0" err="1">
                 <a:solidFill>
                   <a:srgbClr val="5D5E5F"/>
                 </a:solidFill>
@@ -1887,7 +1746,7 @@
               <a:t>www.pomodorotechnique.com</a:t>
             </a:r>
             <a:r>
-              <a:rPr lang="de-DE" sz="800" dirty="0" smtClean="0">
+              <a:rPr lang="de-DE" sz="800" dirty="0">
                 <a:solidFill>
                   <a:srgbClr val="5D5E5F"/>
                 </a:solidFill>
@@ -1896,13 +1755,6 @@
               </a:rPr>
               <a:t> </a:t>
             </a:r>
-            <a:endParaRPr lang="de-DE" sz="800" dirty="0">
-              <a:solidFill>
-                <a:srgbClr val="5D5E5F"/>
-              </a:solidFill>
-              <a:latin typeface="Avenir Light"/>
-              <a:cs typeface="Avenir Light"/>
-            </a:endParaRPr>
           </a:p>
           <a:p>
             <a:endParaRPr lang="de-DE" sz="800" dirty="0">
@@ -1935,7 +1787,7 @@
           <a:lstStyle/>
           <a:p>
             <a:r>
-              <a:rPr lang="de-DE" sz="500" dirty="0" smtClean="0">
+              <a:rPr lang="de-DE" sz="500" dirty="0">
                 <a:solidFill>
                   <a:schemeClr val="bg1">
                     <a:lumMod val="50000"/>
@@ -1946,15 +1798,6 @@
               </a:rPr>
               <a:t>1</a:t>
             </a:r>
-            <a:endParaRPr lang="de-DE" sz="500" dirty="0">
-              <a:solidFill>
-                <a:schemeClr val="bg1">
-                  <a:lumMod val="50000"/>
-                </a:schemeClr>
-              </a:solidFill>
-              <a:latin typeface="Avenir Book"/>
-              <a:cs typeface="Avenir Book"/>
-            </a:endParaRPr>
           </a:p>
         </p:txBody>
       </p:sp>
@@ -2006,70 +1849,61 @@
           <a:lstStyle/>
           <a:p>
             <a:r>
-              <a:rPr lang="de-DE" sz="1100" dirty="0" smtClean="0"/>
+              <a:rPr lang="de-DE" sz="1100" dirty="0"/>
               <a:t>Nimm Dir für den Anfang die von Francesco </a:t>
             </a:r>
             <a:r>
-              <a:rPr lang="de-DE" sz="1100" dirty="0" err="1" smtClean="0"/>
+              <a:rPr lang="de-DE" sz="1100" dirty="0" err="1"/>
               <a:t>Cirillio</a:t>
             </a:r>
             <a:r>
-              <a:rPr lang="de-DE" sz="1100" dirty="0" smtClean="0"/>
+              <a:rPr lang="de-DE" sz="1100" dirty="0"/>
               <a:t> vorgeschlagene Zeitspanne von 25 Minuten. Stelle Dir einen </a:t>
             </a:r>
             <a:r>
-              <a:rPr lang="de-DE" sz="1100" dirty="0" err="1" smtClean="0"/>
+              <a:rPr lang="de-DE" sz="1100" dirty="0" err="1"/>
               <a:t>Timer</a:t>
             </a:r>
             <a:r>
-              <a:rPr lang="de-DE" sz="1100" dirty="0" smtClean="0"/>
+              <a:rPr lang="de-DE" sz="1100" dirty="0"/>
               <a:t>, übe oder arbeite das, was gerade bei Dir anliegt. </a:t>
             </a:r>
             <a:r>
-              <a:rPr lang="de-DE" sz="1100" smtClean="0"/>
+              <a:rPr lang="de-DE" sz="1100"/>
               <a:t>Notiere Dir, </a:t>
             </a:r>
             <a:r>
-              <a:rPr lang="de-DE" sz="1100" dirty="0" smtClean="0"/>
+              <a:rPr lang="de-DE" sz="1100" dirty="0"/>
               <a:t>nachdem der Wecker geklingelt hat</a:t>
             </a:r>
             <a:r>
-              <a:rPr lang="de-DE" sz="1100" smtClean="0"/>
+              <a:rPr lang="de-DE" sz="1100"/>
               <a:t>, was </a:t>
             </a:r>
             <a:r>
-              <a:rPr lang="de-DE" sz="1100" dirty="0" smtClean="0"/>
+              <a:rPr lang="de-DE" sz="1100" dirty="0"/>
               <a:t>Du geschafft hast.</a:t>
             </a:r>
           </a:p>
           <a:p>
             <a:r>
-              <a:rPr lang="de-DE" sz="1100" dirty="0" smtClean="0"/>
+              <a:rPr lang="de-DE" sz="1100" dirty="0"/>
               <a:t>Für die Zertifizierung dieses </a:t>
             </a:r>
             <a:r>
-              <a:rPr lang="de-DE" sz="1100" dirty="0" err="1" smtClean="0"/>
+              <a:rPr lang="de-DE" sz="1100" dirty="0" err="1"/>
               <a:t>Moves</a:t>
             </a:r>
             <a:r>
-              <a:rPr lang="de-DE" sz="1100" dirty="0" smtClean="0"/>
-              <a:t> brauchst Du in </a:t>
-            </a:r>
-            <a:r>
               <a:rPr lang="de-DE" sz="1100" dirty="0"/>
-              <a:t>2</a:t>
-            </a:r>
-            <a:r>
-              <a:rPr lang="de-DE" sz="1100" dirty="0" smtClean="0"/>
-              <a:t> Wochen 8 Durchführungen dieser Zeitfenster.</a:t>
-            </a:r>
-          </a:p>
-          <a:p>
-            <a:r>
-              <a:rPr lang="de-DE" sz="1100" dirty="0" smtClean="0"/>
+              <a:t> brauchst Du in 2 Wochen 8 Durchführungen dieser Zeitfenster.</a:t>
+            </a:r>
+          </a:p>
+          <a:p>
+            <a:r>
+              <a:rPr lang="de-DE" sz="1100" dirty="0"/>
               <a:t>Teile Deine Dokumentation mit Deinem Team und lass Dir Deine Ergebnisse unterschreiben.</a:t>
             </a:r>
-            <a:endParaRPr lang="de-DE" sz="1100" dirty="0"/>
           </a:p>
         </p:txBody>
       </p:sp>

--- a/training-cards/music moves/Tomatoes (TOM)/ger/apprentice/ger_TOM_12_Was_passt_in_eine_Tomate_MM_A.pptx
+++ b/training-cards/music moves/Tomatoes (TOM)/ger/apprentice/ger_TOM_12_Was_passt_in_eine_Tomate_MM_A.pptx
@@ -724,7 +724,7 @@
           <a:p>
             <a:fld id="{FF5B2BAF-DF38-0A48-A798-0C06E514FD52}" type="datetimeFigureOut">
               <a:rPr lang="de-DE" smtClean="0"/>
-              <a:t>22.07.23</a:t>
+              <a:t>27.07.23</a:t>
             </a:fld>
             <a:endParaRPr lang="de-DE" dirty="0"/>
           </a:p>
@@ -937,7 +937,7 @@
           <a:p>
             <a:fld id="{FF5B2BAF-DF38-0A48-A798-0C06E514FD52}" type="datetimeFigureOut">
               <a:rPr lang="de-DE" smtClean="0"/>
-              <a:t>22.07.23</a:t>
+              <a:t>27.07.23</a:t>
             </a:fld>
             <a:endParaRPr lang="de-DE" dirty="0"/>
           </a:p>
@@ -1907,6 +1907,314 @@
           </a:p>
         </p:txBody>
       </p:sp>
+      <p:sp>
+        <p:nvSpPr>
+          <p:cNvPr id="3" name="Shape 7">
+            <a:extLst>
+              <a:ext uri="{FF2B5EF4-FFF2-40B4-BE49-F238E27FC236}">
+                <a16:creationId xmlns:a16="http://schemas.microsoft.com/office/drawing/2014/main" id="{94BB7745-DF6A-5DE8-8870-B208F33BDDB7}"/>
+              </a:ext>
+            </a:extLst>
+          </p:cNvPr>
+          <p:cNvSpPr/>
+          <p:nvPr/>
+        </p:nvSpPr>
+        <p:spPr>
+          <a:xfrm>
+            <a:off x="971550" y="4689585"/>
+            <a:ext cx="4691860" cy="461661"/>
+          </a:xfrm>
+          <a:prstGeom prst="rect">
+            <a:avLst/>
+          </a:prstGeom>
+          <a:ln w="12700">
+            <a:miter lim="400000"/>
+          </a:ln>
+          <a:extLst>
+            <a:ext uri="{C572A759-6A51-4108-AA02-DFA0A04FC94B}">
+              <ma14:wrappingTextBoxFlag xmlns="" xmlns:ma14="http://schemas.microsoft.com/office/mac/drawingml/2011/main" val="1"/>
+            </a:ext>
+          </a:extLst>
+        </p:spPr>
+        <p:txBody>
+          <a:bodyPr wrap="square" lIns="45718" tIns="45718" rIns="45718" bIns="45718">
+            <a:spAutoFit/>
+          </a:bodyPr>
+          <a:lstStyle/>
+          <a:p>
+            <a:pPr lvl="0" algn="ctr">
+              <a:defRPr sz="1800"/>
+            </a:pPr>
+            <a:r>
+              <a:rPr lang="de-DE" sz="800" b="0" i="0" u="none" strike="noStrike" dirty="0" err="1">
+                <a:solidFill>
+                  <a:schemeClr val="tx1">
+                    <a:lumMod val="65000"/>
+                    <a:lumOff val="35000"/>
+                  </a:schemeClr>
+                </a:solidFill>
+                <a:effectLst/>
+                <a:latin typeface="Avenir Book" panose="02000503020000020003" pitchFamily="2" charset="0"/>
+              </a:rPr>
+              <a:t>music</a:t>
+            </a:r>
+            <a:r>
+              <a:rPr lang="de-DE" sz="800" b="0" i="0" u="none" strike="noStrike" dirty="0">
+                <a:solidFill>
+                  <a:schemeClr val="tx1">
+                    <a:lumMod val="65000"/>
+                    <a:lumOff val="35000"/>
+                  </a:schemeClr>
+                </a:solidFill>
+                <a:effectLst/>
+                <a:latin typeface="Avenir Book" panose="02000503020000020003" pitchFamily="2" charset="0"/>
+              </a:rPr>
+              <a:t> </a:t>
+            </a:r>
+            <a:r>
+              <a:rPr lang="de-DE" sz="800" b="0" i="0" u="none" strike="noStrike" dirty="0" err="1">
+                <a:solidFill>
+                  <a:schemeClr val="tx1">
+                    <a:lumMod val="65000"/>
+                    <a:lumOff val="35000"/>
+                  </a:schemeClr>
+                </a:solidFill>
+                <a:effectLst/>
+                <a:latin typeface="Avenir Book" panose="02000503020000020003" pitchFamily="2" charset="0"/>
+              </a:rPr>
+              <a:t>moves</a:t>
+            </a:r>
+            <a:r>
+              <a:rPr lang="de-DE" sz="800" b="0" i="0" u="none" strike="noStrike" dirty="0">
+                <a:solidFill>
+                  <a:schemeClr val="tx1">
+                    <a:lumMod val="65000"/>
+                    <a:lumOff val="35000"/>
+                  </a:schemeClr>
+                </a:solidFill>
+                <a:effectLst/>
+                <a:latin typeface="Avenir Book" panose="02000503020000020003" pitchFamily="2" charset="0"/>
+              </a:rPr>
+              <a:t>-Trainingskarten von Regina Brandhuber sind lizenziert unter einer Creative Commons </a:t>
+            </a:r>
+          </a:p>
+          <a:p>
+            <a:pPr lvl="0" algn="ctr">
+              <a:defRPr sz="1800"/>
+            </a:pPr>
+            <a:r>
+              <a:rPr lang="de-DE" sz="800" b="0" i="0" u="none" strike="noStrike" dirty="0">
+                <a:solidFill>
+                  <a:schemeClr val="tx1">
+                    <a:lumMod val="65000"/>
+                    <a:lumOff val="35000"/>
+                  </a:schemeClr>
+                </a:solidFill>
+                <a:effectLst/>
+                <a:latin typeface="Avenir Book" panose="02000503020000020003" pitchFamily="2" charset="0"/>
+              </a:rPr>
+              <a:t>Namensnennung-Nicht kommerziell 4.0 International Lizenz.</a:t>
+            </a:r>
+          </a:p>
+          <a:p>
+            <a:pPr lvl="0" algn="ctr">
+              <a:defRPr sz="1800"/>
+            </a:pPr>
+            <a:r>
+              <a:rPr lang="de-DE" sz="800" dirty="0">
+                <a:solidFill>
+                  <a:schemeClr val="tx1">
+                    <a:lumMod val="65000"/>
+                    <a:lumOff val="35000"/>
+                  </a:schemeClr>
+                </a:solidFill>
+                <a:latin typeface="Avenir Book" panose="02000503020000020003" pitchFamily="2" charset="0"/>
+                <a:ea typeface="Calibri"/>
+                <a:cs typeface="Avenir Light"/>
+                <a:sym typeface="Calibri"/>
+              </a:rPr>
+              <a:t>Nachzulesen unter:</a:t>
+            </a:r>
+            <a:r>
+              <a:rPr sz="800" dirty="0">
+                <a:solidFill>
+                  <a:schemeClr val="tx1">
+                    <a:lumMod val="65000"/>
+                    <a:lumOff val="35000"/>
+                  </a:schemeClr>
+                </a:solidFill>
+                <a:latin typeface="Avenir Book" panose="02000503020000020003" pitchFamily="2" charset="0"/>
+                <a:ea typeface="Calibri"/>
+                <a:cs typeface="Avenir Light"/>
+                <a:sym typeface="Calibri"/>
+              </a:rPr>
+              <a:t> </a:t>
+            </a:r>
+            <a:r>
+              <a:rPr lang="de-DE" sz="800" dirty="0">
+                <a:solidFill>
+                  <a:schemeClr val="tx1">
+                    <a:lumMod val="65000"/>
+                    <a:lumOff val="35000"/>
+                  </a:schemeClr>
+                </a:solidFill>
+                <a:latin typeface="Avenir Book" panose="02000503020000020003" pitchFamily="2" charset="0"/>
+                <a:ea typeface="Calibri"/>
+                <a:cs typeface="Avenir Light"/>
+                <a:sym typeface="Calibri"/>
+              </a:rPr>
+              <a:t>https://</a:t>
+            </a:r>
+            <a:r>
+              <a:rPr lang="de-DE" sz="800" dirty="0" err="1">
+                <a:solidFill>
+                  <a:schemeClr val="tx1">
+                    <a:lumMod val="65000"/>
+                    <a:lumOff val="35000"/>
+                  </a:schemeClr>
+                </a:solidFill>
+                <a:latin typeface="Avenir Book" panose="02000503020000020003" pitchFamily="2" charset="0"/>
+                <a:ea typeface="Calibri"/>
+                <a:cs typeface="Avenir Light"/>
+                <a:sym typeface="Calibri"/>
+              </a:rPr>
+              <a:t>creativecommons.org</a:t>
+            </a:r>
+            <a:r>
+              <a:rPr lang="de-DE" sz="800" dirty="0">
+                <a:solidFill>
+                  <a:schemeClr val="tx1">
+                    <a:lumMod val="65000"/>
+                    <a:lumOff val="35000"/>
+                  </a:schemeClr>
+                </a:solidFill>
+                <a:latin typeface="Avenir Book" panose="02000503020000020003" pitchFamily="2" charset="0"/>
+                <a:ea typeface="Calibri"/>
+                <a:cs typeface="Avenir Light"/>
+                <a:sym typeface="Calibri"/>
+              </a:rPr>
+              <a:t>/</a:t>
+            </a:r>
+            <a:r>
+              <a:rPr lang="de-DE" sz="800" dirty="0" err="1">
+                <a:solidFill>
+                  <a:schemeClr val="tx1">
+                    <a:lumMod val="65000"/>
+                    <a:lumOff val="35000"/>
+                  </a:schemeClr>
+                </a:solidFill>
+                <a:latin typeface="Avenir Book" panose="02000503020000020003" pitchFamily="2" charset="0"/>
+                <a:ea typeface="Calibri"/>
+                <a:cs typeface="Avenir Light"/>
+                <a:sym typeface="Calibri"/>
+              </a:rPr>
+              <a:t>licenses</a:t>
+            </a:r>
+            <a:r>
+              <a:rPr lang="de-DE" sz="800" dirty="0">
+                <a:solidFill>
+                  <a:schemeClr val="tx1">
+                    <a:lumMod val="65000"/>
+                    <a:lumOff val="35000"/>
+                  </a:schemeClr>
+                </a:solidFill>
+                <a:latin typeface="Avenir Book" panose="02000503020000020003" pitchFamily="2" charset="0"/>
+                <a:ea typeface="Calibri"/>
+                <a:cs typeface="Avenir Light"/>
+                <a:sym typeface="Calibri"/>
+              </a:rPr>
+              <a:t>/</a:t>
+            </a:r>
+            <a:r>
+              <a:rPr lang="de-DE" sz="800" dirty="0" err="1">
+                <a:solidFill>
+                  <a:schemeClr val="tx1">
+                    <a:lumMod val="65000"/>
+                    <a:lumOff val="35000"/>
+                  </a:schemeClr>
+                </a:solidFill>
+                <a:latin typeface="Avenir Book" panose="02000503020000020003" pitchFamily="2" charset="0"/>
+                <a:ea typeface="Calibri"/>
+                <a:cs typeface="Avenir Light"/>
+                <a:sym typeface="Calibri"/>
+              </a:rPr>
+              <a:t>by-nc</a:t>
+            </a:r>
+            <a:r>
+              <a:rPr lang="de-DE" sz="800" dirty="0">
+                <a:solidFill>
+                  <a:schemeClr val="tx1">
+                    <a:lumMod val="65000"/>
+                    <a:lumOff val="35000"/>
+                  </a:schemeClr>
+                </a:solidFill>
+                <a:latin typeface="Avenir Book" panose="02000503020000020003" pitchFamily="2" charset="0"/>
+                <a:ea typeface="Calibri"/>
+                <a:cs typeface="Avenir Light"/>
+                <a:sym typeface="Calibri"/>
+              </a:rPr>
+              <a:t>/4.0/</a:t>
+            </a:r>
+            <a:r>
+              <a:rPr lang="de-DE" sz="800" dirty="0" err="1">
+                <a:solidFill>
+                  <a:schemeClr val="tx1">
+                    <a:lumMod val="65000"/>
+                    <a:lumOff val="35000"/>
+                  </a:schemeClr>
+                </a:solidFill>
+                <a:latin typeface="Avenir Book" panose="02000503020000020003" pitchFamily="2" charset="0"/>
+                <a:ea typeface="Calibri"/>
+                <a:cs typeface="Avenir Light"/>
+                <a:sym typeface="Calibri"/>
+              </a:rPr>
+              <a:t>deed.de</a:t>
+            </a:r>
+            <a:endParaRPr sz="800" dirty="0">
+              <a:solidFill>
+                <a:schemeClr val="tx1">
+                  <a:lumMod val="65000"/>
+                  <a:lumOff val="35000"/>
+                </a:schemeClr>
+              </a:solidFill>
+              <a:latin typeface="Avenir Book" panose="02000503020000020003" pitchFamily="2" charset="0"/>
+              <a:ea typeface="Calibri"/>
+              <a:cs typeface="Avenir Light"/>
+              <a:sym typeface="Calibri"/>
+            </a:endParaRPr>
+          </a:p>
+        </p:txBody>
+      </p:sp>
+      <p:pic>
+        <p:nvPicPr>
+          <p:cNvPr id="4" name="pasted-image.tif">
+            <a:extLst>
+              <a:ext uri="{FF2B5EF4-FFF2-40B4-BE49-F238E27FC236}">
+                <a16:creationId xmlns:a16="http://schemas.microsoft.com/office/drawing/2014/main" id="{8F15A41D-B82B-C922-0DD1-4EE591F6B315}"/>
+              </a:ext>
+            </a:extLst>
+          </p:cNvPr>
+          <p:cNvPicPr/>
+          <p:nvPr/>
+        </p:nvPicPr>
+        <p:blipFill rotWithShape="1">
+          <a:blip r:embed="rId2"/>
+          <a:srcRect r="24777" b="-3233"/>
+          <a:stretch/>
+        </p:blipFill>
+        <p:spPr>
+          <a:xfrm>
+            <a:off x="5724347" y="4733926"/>
+            <a:ext cx="1009828" cy="333374"/>
+          </a:xfrm>
+          <a:prstGeom prst="rect">
+            <a:avLst/>
+          </a:prstGeom>
+          <a:ln w="12700">
+            <a:miter lim="400000"/>
+          </a:ln>
+        </p:spPr>
+      </p:pic>
     </p:spTree>
     <p:extLst>
       <p:ext uri="{BB962C8B-B14F-4D97-AF65-F5344CB8AC3E}">

--- a/training-cards/music moves/Tomatoes (TOM)/ger/apprentice/ger_TOM_12_Was_passt_in_eine_Tomate_MM_A.pptx
+++ b/training-cards/music moves/Tomatoes (TOM)/ger/apprentice/ger_TOM_12_Was_passt_in_eine_Tomate_MM_A.pptx
@@ -724,7 +724,7 @@
           <a:p>
             <a:fld id="{FF5B2BAF-DF38-0A48-A798-0C06E514FD52}" type="datetimeFigureOut">
               <a:rPr lang="de-DE" smtClean="0"/>
-              <a:t>27.07.23</a:t>
+              <a:t>31.07.24</a:t>
             </a:fld>
             <a:endParaRPr lang="de-DE" dirty="0"/>
           </a:p>
@@ -937,7 +937,7 @@
           <a:p>
             <a:fld id="{FF5B2BAF-DF38-0A48-A798-0C06E514FD52}" type="datetimeFigureOut">
               <a:rPr lang="de-DE" smtClean="0"/>
-              <a:t>27.07.23</a:t>
+              <a:t>31.07.24</a:t>
             </a:fld>
             <a:endParaRPr lang="de-DE" dirty="0"/>
           </a:p>
@@ -1605,14 +1605,19 @@
             <p:ph idx="13"/>
           </p:nvPr>
         </p:nvSpPr>
-        <p:spPr/>
+        <p:spPr>
+          <a:xfrm>
+            <a:off x="858839" y="1568452"/>
+            <a:ext cx="6201838" cy="3531449"/>
+          </a:xfrm>
+        </p:spPr>
         <p:txBody>
           <a:bodyPr>
-            <a:normAutofit/>
+            <a:normAutofit fontScale="92500" lnSpcReduction="10000"/>
           </a:bodyPr>
           <a:lstStyle/>
           <a:p>
-            <a:pPr>
+            <a:pPr algn="just">
               <a:lnSpc>
                 <a:spcPct val="110000"/>
               </a:lnSpc>
@@ -1621,12 +1626,12 @@
               </a:spcBef>
             </a:pPr>
             <a:r>
-              <a:rPr lang="de-DE" sz="1100" dirty="0"/>
+              <a:rPr lang="de-DE" sz="1300" dirty="0"/>
               <a:t>Ein erfolgreicher Zeitmanager weiß, was er den ganzen Tag tut und wieviel Zeit es genau kostet.</a:t>
             </a:r>
           </a:p>
           <a:p>
-            <a:pPr>
+            <a:pPr algn="just">
               <a:lnSpc>
                 <a:spcPct val="110000"/>
               </a:lnSpc>
@@ -1635,12 +1640,12 @@
               </a:spcBef>
             </a:pPr>
             <a:r>
-              <a:rPr lang="de-DE" sz="1100" dirty="0"/>
+              <a:rPr lang="de-DE" sz="1300" dirty="0"/>
               <a:t>Wenn Du beginnst mit konkreten Zeitfenstern zu arbeiten, kannst Du Deine Wahrnehmung schulen, was Du in einer bestimmten Zeit alles schaffen kannst.</a:t>
             </a:r>
           </a:p>
           <a:p>
-            <a:pPr>
+            <a:pPr algn="just">
               <a:lnSpc>
                 <a:spcPct val="110000"/>
               </a:lnSpc>
@@ -1649,154 +1654,133 @@
               </a:spcBef>
             </a:pPr>
             <a:r>
-              <a:rPr lang="de-DE" sz="1100" dirty="0"/>
+              <a:rPr lang="de-DE" sz="1300" dirty="0"/>
               <a:t>Einen </a:t>
             </a:r>
             <a:r>
-              <a:rPr lang="de-DE" sz="1100" dirty="0" err="1"/>
+              <a:rPr lang="de-DE" sz="1300" dirty="0" err="1"/>
               <a:t>Timer</a:t>
             </a:r>
             <a:r>
-              <a:rPr lang="de-DE" sz="1100" dirty="0"/>
+              <a:rPr lang="de-DE" sz="1300" dirty="0"/>
               <a:t> zu stellen, der Dir ein Signal gibt, wann Dein Zeitfenster vorüber ist, hilft Dein Training messbar zu machen.</a:t>
             </a:r>
           </a:p>
           <a:p>
-            <a:r>
-              <a:rPr lang="de-DE" sz="1100" dirty="0"/>
+            <a:pPr algn="just"/>
+            <a:r>
+              <a:rPr lang="de-DE" sz="1300" dirty="0"/>
               <a:t>Ein Zeitfenster kann 5 oder 10 Minuten dauern. 25 Minuten haben sich bei kopflastigen Arbeiten wie Lernen oder Musizieren als guter Einstieg bewährt, bevor die Konzentration nachlässt.</a:t>
             </a:r>
           </a:p>
           <a:p>
-            <a:r>
-              <a:rPr lang="de-DE" sz="1100" dirty="0"/>
+            <a:pPr algn="just"/>
+            <a:r>
+              <a:rPr lang="de-DE" sz="1300" dirty="0"/>
               <a:t>Es geht dabei nicht darum, so schnell wie möglich zu arbeiten bist der Wecker klingelt, sondern herauszufinden, was Du alles in einem bequemen Tempo schaffen kannst.</a:t>
             </a:r>
           </a:p>
           <a:p>
-            <a:r>
-              <a:rPr lang="de-DE" sz="1100" dirty="0"/>
-              <a:t>Francesco </a:t>
-            </a:r>
-            <a:r>
-              <a:rPr lang="de-DE" sz="1100" dirty="0" err="1"/>
+            <a:pPr algn="just"/>
+            <a:r>
+              <a:rPr lang="de-DE" sz="1300" dirty="0"/>
+              <a:t>Francesco Cirillo, der Erfinder der Pomodoro® </a:t>
+            </a:r>
+            <a:r>
+              <a:rPr lang="de-DE" sz="1300" dirty="0" err="1"/>
+              <a:t>Technique</a:t>
+            </a:r>
+            <a:r>
+              <a:rPr lang="de-DE" sz="1300" baseline="30000" dirty="0"/>
+              <a:t> </a:t>
+            </a:r>
+            <a:r>
+              <a:rPr lang="de-DE" sz="1300" dirty="0"/>
+              <a:t>, nennt diese Zeitfenster „Pomodoro“ (Cirillo 2013, S. 14), was übersetzt Tomaten bedeutet. Dabei geht er von 25 Minuten aus, denen eine 5minütige Pause folgt (vgl. ebd., S. 14 f.).</a:t>
+            </a:r>
+          </a:p>
+          <a:p>
+            <a:pPr marL="0" indent="0" algn="just">
+              <a:buNone/>
+            </a:pPr>
+            <a:endParaRPr lang="de-DE" sz="800" dirty="0"/>
+          </a:p>
+          <a:p>
+            <a:pPr marL="0" indent="0" algn="just">
+              <a:buNone/>
+            </a:pPr>
+            <a:endParaRPr lang="de-DE" sz="800" dirty="0"/>
+          </a:p>
+          <a:p>
+            <a:pPr marL="0" indent="0" algn="just">
+              <a:buNone/>
+            </a:pPr>
+            <a:endParaRPr lang="de-DE" sz="800" dirty="0"/>
+          </a:p>
+          <a:p>
+            <a:pPr marL="0" indent="0" algn="just">
+              <a:buNone/>
+            </a:pPr>
+            <a:r>
+              <a:rPr lang="de-DE" sz="900" dirty="0"/>
+              <a:t>Quellen:	 </a:t>
+            </a:r>
+            <a:r>
+              <a:rPr lang="de-DE" sz="900" b="1" dirty="0"/>
               <a:t>Cirillo</a:t>
             </a:r>
             <a:r>
-              <a:rPr lang="de-DE" sz="1100" dirty="0"/>
-              <a:t>, der Erfinder der </a:t>
-            </a:r>
-            <a:r>
-              <a:rPr lang="de-DE" sz="1100" dirty="0" err="1"/>
-              <a:t>Pomodoro</a:t>
-            </a:r>
-            <a:r>
-              <a:rPr lang="de-DE" sz="1100" dirty="0"/>
-              <a:t> Technique</a:t>
-            </a:r>
-            <a:r>
-              <a:rPr lang="de-DE" sz="1100"/>
-              <a:t>®</a:t>
-            </a:r>
-            <a:r>
-              <a:rPr lang="de-DE" sz="1100" baseline="30000"/>
-              <a:t>1</a:t>
-            </a:r>
-            <a:r>
-              <a:rPr lang="de-DE" sz="1100"/>
-              <a:t>, nennt </a:t>
-            </a:r>
-            <a:r>
-              <a:rPr lang="de-DE" sz="1100" dirty="0"/>
-              <a:t>diese Zeitfenster „Tomaten“. Dabei geht er von 25 Minuten aus, denen eine 5 minütige Pause folgt.</a:t>
-            </a:r>
-          </a:p>
-        </p:txBody>
-      </p:sp>
-      <p:sp>
-        <p:nvSpPr>
-          <p:cNvPr id="4" name="Textfeld 3"/>
-          <p:cNvSpPr txBox="1"/>
-          <p:nvPr/>
-        </p:nvSpPr>
-        <p:spPr>
-          <a:xfrm>
-            <a:off x="5201920" y="4686515"/>
-            <a:ext cx="1706880" cy="338554"/>
-          </a:xfrm>
-          <a:prstGeom prst="rect">
-            <a:avLst/>
-          </a:prstGeom>
-          <a:noFill/>
-        </p:spPr>
-        <p:txBody>
-          <a:bodyPr wrap="square" rtlCol="0">
-            <a:spAutoFit/>
-          </a:bodyPr>
-          <a:lstStyle/>
-          <a:p>
-            <a:r>
-              <a:rPr lang="de-DE" sz="800" dirty="0" err="1">
-                <a:solidFill>
-                  <a:srgbClr val="5D5E5F"/>
-                </a:solidFill>
-                <a:latin typeface="Avenir Light"/>
-                <a:cs typeface="Avenir Light"/>
-              </a:rPr>
-              <a:t>www.pomodorotechnique.com</a:t>
-            </a:r>
-            <a:r>
-              <a:rPr lang="de-DE" sz="800" dirty="0">
-                <a:solidFill>
-                  <a:srgbClr val="5D5E5F"/>
-                </a:solidFill>
-                <a:latin typeface="Avenir Light"/>
-                <a:cs typeface="Avenir Light"/>
-              </a:rPr>
-              <a:t> </a:t>
-            </a:r>
-          </a:p>
-          <a:p>
-            <a:endParaRPr lang="de-DE" sz="800" dirty="0">
-              <a:latin typeface="Avenir Light"/>
-              <a:cs typeface="Avenir Light"/>
-            </a:endParaRPr>
-          </a:p>
-        </p:txBody>
-      </p:sp>
-      <p:sp>
-        <p:nvSpPr>
-          <p:cNvPr id="2" name="Textfeld 1"/>
-          <p:cNvSpPr txBox="1"/>
-          <p:nvPr/>
-        </p:nvSpPr>
-        <p:spPr>
-          <a:xfrm>
-            <a:off x="5145318" y="4658496"/>
-            <a:ext cx="220317" cy="169277"/>
-          </a:xfrm>
-          <a:prstGeom prst="rect">
-            <a:avLst/>
-          </a:prstGeom>
-          <a:noFill/>
-        </p:spPr>
-        <p:txBody>
-          <a:bodyPr wrap="none" rtlCol="0">
-            <a:spAutoFit/>
-          </a:bodyPr>
-          <a:lstStyle/>
-          <a:p>
-            <a:r>
-              <a:rPr lang="de-DE" sz="500" dirty="0">
-                <a:solidFill>
-                  <a:schemeClr val="bg1">
-                    <a:lumMod val="50000"/>
-                  </a:schemeClr>
-                </a:solidFill>
-                <a:latin typeface="Avenir Book"/>
-                <a:cs typeface="Avenir Book"/>
-              </a:rPr>
-              <a:t>1</a:t>
+              <a:rPr lang="de-DE" sz="900" dirty="0"/>
+              <a:t>, Francesco (2013): The Pomodoro </a:t>
+            </a:r>
+            <a:r>
+              <a:rPr lang="de-DE" sz="900" dirty="0" err="1"/>
+              <a:t>Technique</a:t>
+            </a:r>
+            <a:r>
+              <a:rPr lang="de-DE" sz="900" dirty="0"/>
+              <a:t>. Do More and </a:t>
+            </a:r>
+            <a:r>
+              <a:rPr lang="de-DE" sz="900" dirty="0" err="1"/>
+              <a:t>Have</a:t>
+            </a:r>
+            <a:r>
+              <a:rPr lang="de-DE" sz="900" dirty="0"/>
+              <a:t> Fun </a:t>
+            </a:r>
+            <a:r>
+              <a:rPr lang="de-DE" sz="900" dirty="0" err="1"/>
+              <a:t>with</a:t>
+            </a:r>
+            <a:r>
+              <a:rPr lang="de-DE" sz="900" dirty="0"/>
+              <a:t> Time Management. Berlin: FC Garage</a:t>
+            </a:r>
+          </a:p>
+          <a:p>
+            <a:pPr marL="0" indent="0" algn="just">
+              <a:buNone/>
+            </a:pPr>
+            <a:r>
+              <a:rPr lang="de-DE" sz="900" dirty="0"/>
+              <a:t>        	 </a:t>
+            </a:r>
+            <a:r>
+              <a:rPr lang="de-DE" sz="900" b="1" dirty="0"/>
+              <a:t>Cirillo</a:t>
+            </a:r>
+            <a:r>
+              <a:rPr lang="de-DE" sz="900" dirty="0"/>
+              <a:t>, Francesco (2024): The Pomodoro </a:t>
+            </a:r>
+            <a:r>
+              <a:rPr lang="de-DE" sz="900" dirty="0" err="1"/>
+              <a:t>Technique</a:t>
+            </a:r>
+            <a:r>
+              <a:rPr lang="de-DE" sz="900" dirty="0"/>
+              <a:t>. www.pomodorotechnique.com, abgerufen am 31. Juli 2024</a:t>
             </a:r>
           </a:p>
         </p:txBody>
@@ -1848,60 +1832,47 @@
           </a:bodyPr>
           <a:lstStyle/>
           <a:p>
-            <a:r>
-              <a:rPr lang="de-DE" sz="1100" dirty="0"/>
+            <a:pPr algn="just"/>
+            <a:r>
+              <a:rPr lang="de-DE" sz="1200" dirty="0"/>
               <a:t>Nimm Dir für den Anfang die von Francesco </a:t>
             </a:r>
             <a:r>
-              <a:rPr lang="de-DE" sz="1100" dirty="0" err="1"/>
+              <a:rPr lang="de-DE" sz="1200" dirty="0" err="1"/>
               <a:t>Cirillio</a:t>
             </a:r>
             <a:r>
-              <a:rPr lang="de-DE" sz="1100" dirty="0"/>
+              <a:rPr lang="de-DE" sz="1200" dirty="0"/>
               <a:t> vorgeschlagene Zeitspanne von 25 Minuten. Stelle Dir einen </a:t>
             </a:r>
             <a:r>
-              <a:rPr lang="de-DE" sz="1100" dirty="0" err="1"/>
+              <a:rPr lang="de-DE" sz="1200" dirty="0" err="1"/>
               <a:t>Timer</a:t>
             </a:r>
             <a:r>
-              <a:rPr lang="de-DE" sz="1100" dirty="0"/>
-              <a:t>, übe oder arbeite das, was gerade bei Dir anliegt. </a:t>
-            </a:r>
-            <a:r>
-              <a:rPr lang="de-DE" sz="1100"/>
-              <a:t>Notiere Dir, </a:t>
-            </a:r>
-            <a:r>
-              <a:rPr lang="de-DE" sz="1100" dirty="0"/>
-              <a:t>nachdem der Wecker geklingelt hat</a:t>
-            </a:r>
-            <a:r>
-              <a:rPr lang="de-DE" sz="1100"/>
-              <a:t>, was </a:t>
-            </a:r>
-            <a:r>
-              <a:rPr lang="de-DE" sz="1100" dirty="0"/>
-              <a:t>Du geschafft hast.</a:t>
-            </a:r>
-          </a:p>
-          <a:p>
-            <a:r>
-              <a:rPr lang="de-DE" sz="1100" dirty="0"/>
+              <a:rPr lang="de-DE" sz="1200" dirty="0"/>
+              <a:t>, übe oder arbeite das, was gerade bei Dir anliegt. Notiere Dir, nachdem der Wecker geklingelt hat, was Du geschafft hast.</a:t>
+            </a:r>
+          </a:p>
+          <a:p>
+            <a:pPr algn="just"/>
+            <a:r>
+              <a:rPr lang="de-DE" sz="1200" dirty="0"/>
               <a:t>Für die Zertifizierung dieses </a:t>
             </a:r>
             <a:r>
-              <a:rPr lang="de-DE" sz="1100" dirty="0" err="1"/>
+              <a:rPr lang="de-DE" sz="1200" dirty="0" err="1"/>
               <a:t>Moves</a:t>
             </a:r>
             <a:r>
-              <a:rPr lang="de-DE" sz="1100" dirty="0"/>
+              <a:rPr lang="de-DE" sz="1200" dirty="0"/>
               <a:t> brauchst Du in 2 Wochen 8 Durchführungen dieser Zeitfenster.</a:t>
             </a:r>
           </a:p>
           <a:p>
-            <a:r>
-              <a:rPr lang="de-DE" sz="1100" dirty="0"/>
+            <a:pPr algn="just"/>
+            <a:r>
+              <a:rPr lang="de-DE" sz="1200" dirty="0"/>
               <a:t>Teile Deine Dokumentation mit Deinem Team und lass Dir Deine Ergebnisse unterschreiben.</a:t>
             </a:r>
           </a:p>
@@ -1932,7 +1903,7 @@
           </a:ln>
           <a:extLst>
             <a:ext uri="{C572A759-6A51-4108-AA02-DFA0A04FC94B}">
-              <ma14:wrappingTextBoxFlag xmlns="" xmlns:ma14="http://schemas.microsoft.com/office/mac/drawingml/2011/main" val="1"/>
+              <ma14:wrappingTextBoxFlag xmlns:ma14="http://schemas.microsoft.com/office/mac/drawingml/2011/main" xmlns="" val="1"/>
             </a:ext>
           </a:extLst>
         </p:spPr>
